--- a/slides/S2-Sprint_1-Start.pptx
+++ b/slides/S2-Sprint_1-Start.pptx
@@ -5,7 +5,7 @@
     <p:sldMasterId id="2147483691" r:id="rId4"/>
   </p:sldMasterIdLst>
   <p:notesMasterIdLst>
-    <p:notesMasterId r:id="rId16"/>
+    <p:notesMasterId r:id="rId15"/>
   </p:notesMasterIdLst>
   <p:sldIdLst>
     <p:sldId id="256" r:id="rId5"/>
@@ -18,7 +18,6 @@
     <p:sldId id="657" r:id="rId12"/>
     <p:sldId id="658" r:id="rId13"/>
     <p:sldId id="651" r:id="rId14"/>
-    <p:sldId id="652" r:id="rId15"/>
   </p:sldIdLst>
   <p:sldSz cx="9144000" cy="5143500" type="screen16x9"/>
   <p:notesSz cx="6858000" cy="9144000"/>
@@ -236,7 +235,7 @@
           <a:p>
             <a:fld id="{4DA605D3-16DF-DF43-AE35-A9E379D47CEE}" type="datetimeFigureOut">
               <a:rPr lang="nl-NL" smtClean="0"/>
-              <a:t>3-9-2024</a:t>
+              <a:t>4-9-2024</a:t>
             </a:fld>
             <a:endParaRPr lang="nl-NL"/>
           </a:p>
@@ -920,7 +919,7 @@
           <a:p>
             <a:fld id="{982E87CE-8545-4B28-9101-1ABE11BF1B41}" type="datetime1">
               <a:rPr lang="nl-NL" smtClean="0"/>
-              <a:t>3-9-2024</a:t>
+              <a:t>4-9-2024</a:t>
             </a:fld>
             <a:endParaRPr lang="nl-NL"/>
           </a:p>
@@ -1242,7 +1241,7 @@
             <a:fld id="{982E87CE-8545-4B28-9101-1ABE11BF1B41}" type="datetime1">
               <a:rPr lang="nl-NL" smtClean="0"/>
               <a:pPr/>
-              <a:t>3-9-2024</a:t>
+              <a:t>4-9-2024</a:t>
             </a:fld>
             <a:endParaRPr lang="nl-NL" dirty="0"/>
           </a:p>
@@ -1578,7 +1577,7 @@
           <a:p>
             <a:fld id="{982E87CE-8545-4B28-9101-1ABE11BF1B41}" type="datetime1">
               <a:rPr lang="nl-NL" smtClean="0"/>
-              <a:t>3-9-2024</a:t>
+              <a:t>4-9-2024</a:t>
             </a:fld>
             <a:endParaRPr lang="nl-NL"/>
           </a:p>
@@ -1931,7 +1930,7 @@
           <a:p>
             <a:fld id="{982E87CE-8545-4B28-9101-1ABE11BF1B41}" type="datetime1">
               <a:rPr lang="nl-NL" smtClean="0"/>
-              <a:t>3-9-2024</a:t>
+              <a:t>4-9-2024</a:t>
             </a:fld>
             <a:endParaRPr lang="nl-NL"/>
           </a:p>
@@ -2177,7 +2176,7 @@
             <a:fld id="{982E87CE-8545-4B28-9101-1ABE11BF1B41}" type="datetime1">
               <a:rPr lang="nl-NL" smtClean="0"/>
               <a:pPr/>
-              <a:t>3-9-2024</a:t>
+              <a:t>4-9-2024</a:t>
             </a:fld>
             <a:endParaRPr lang="nl-NL"/>
           </a:p>
@@ -2534,7 +2533,7 @@
           <a:p>
             <a:fld id="{982E87CE-8545-4B28-9101-1ABE11BF1B41}" type="datetime1">
               <a:rPr lang="nl-NL" smtClean="0"/>
-              <a:t>3-9-2024</a:t>
+              <a:t>4-9-2024</a:t>
             </a:fld>
             <a:endParaRPr lang="nl-NL"/>
           </a:p>
@@ -2808,7 +2807,7 @@
           <a:p>
             <a:fld id="{982E87CE-8545-4B28-9101-1ABE11BF1B41}" type="datetime1">
               <a:rPr lang="nl-NL" smtClean="0"/>
-              <a:t>3-9-2024</a:t>
+              <a:t>4-9-2024</a:t>
             </a:fld>
             <a:endParaRPr lang="nl-NL"/>
           </a:p>
@@ -3132,7 +3131,7 @@
           <a:p>
             <a:fld id="{982E87CE-8545-4B28-9101-1ABE11BF1B41}" type="datetime1">
               <a:rPr lang="nl-NL" smtClean="0"/>
-              <a:t>3-9-2024</a:t>
+              <a:t>4-9-2024</a:t>
             </a:fld>
             <a:endParaRPr lang="nl-NL"/>
           </a:p>
@@ -3377,7 +3376,7 @@
             <a:fld id="{982E87CE-8545-4B28-9101-1ABE11BF1B41}" type="datetime1">
               <a:rPr lang="nl-NL" smtClean="0"/>
               <a:pPr/>
-              <a:t>3-9-2024</a:t>
+              <a:t>4-9-2024</a:t>
             </a:fld>
             <a:endParaRPr lang="nl-NL"/>
           </a:p>
@@ -4016,7 +4015,7 @@
           <a:p>
             <a:fld id="{982E87CE-8545-4B28-9101-1ABE11BF1B41}" type="datetime1">
               <a:rPr lang="nl-NL" smtClean="0"/>
-              <a:t>3-9-2024</a:t>
+              <a:t>4-9-2024</a:t>
             </a:fld>
             <a:endParaRPr lang="nl-NL"/>
           </a:p>
@@ -4184,7 +4183,7 @@
           <a:p>
             <a:fld id="{982E87CE-8545-4B28-9101-1ABE11BF1B41}" type="datetime1">
               <a:rPr lang="nl-NL" smtClean="0"/>
-              <a:t>3-9-2024</a:t>
+              <a:t>4-9-2024</a:t>
             </a:fld>
             <a:endParaRPr lang="nl-NL"/>
           </a:p>
@@ -4461,7 +4460,7 @@
             <a:fld id="{982E87CE-8545-4B28-9101-1ABE11BF1B41}" type="datetime1">
               <a:rPr lang="nl-NL" smtClean="0"/>
               <a:pPr/>
-              <a:t>3-9-2024</a:t>
+              <a:t>4-9-2024</a:t>
             </a:fld>
             <a:endParaRPr lang="nl-NL"/>
           </a:p>
@@ -4632,7 +4631,7 @@
           <a:p>
             <a:fld id="{982E87CE-8545-4B28-9101-1ABE11BF1B41}" type="datetime1">
               <a:rPr lang="nl-NL" smtClean="0"/>
-              <a:t>3-9-2024</a:t>
+              <a:t>4-9-2024</a:t>
             </a:fld>
             <a:endParaRPr lang="nl-NL"/>
           </a:p>
@@ -4948,7 +4947,7 @@
           <a:p>
             <a:fld id="{982E87CE-8545-4B28-9101-1ABE11BF1B41}" type="datetime1">
               <a:rPr lang="nl-NL" smtClean="0"/>
-              <a:t>3-9-2024</a:t>
+              <a:t>4-9-2024</a:t>
             </a:fld>
             <a:endParaRPr lang="nl-NL"/>
           </a:p>
@@ -5290,7 +5289,7 @@
           <a:p>
             <a:fld id="{982E87CE-8545-4B28-9101-1ABE11BF1B41}" type="datetime1">
               <a:rPr lang="nl-NL" smtClean="0"/>
-              <a:t>3-9-2024</a:t>
+              <a:t>4-9-2024</a:t>
             </a:fld>
             <a:endParaRPr lang="nl-NL"/>
           </a:p>
@@ -5588,7 +5587,7 @@
           <a:p>
             <a:fld id="{982E87CE-8545-4B28-9101-1ABE11BF1B41}" type="datetime1">
               <a:rPr lang="nl-NL" smtClean="0"/>
-              <a:t>3-9-2024</a:t>
+              <a:t>4-9-2024</a:t>
             </a:fld>
             <a:endParaRPr lang="nl-NL"/>
           </a:p>
@@ -5853,7 +5852,7 @@
           <a:p>
             <a:fld id="{982E87CE-8545-4B28-9101-1ABE11BF1B41}" type="datetime1">
               <a:rPr lang="nl-NL" smtClean="0"/>
-              <a:t>3-9-2024</a:t>
+              <a:t>4-9-2024</a:t>
             </a:fld>
             <a:endParaRPr lang="nl-NL"/>
           </a:p>
@@ -5993,7 +5992,7 @@
           <a:p>
             <a:fld id="{982E87CE-8545-4B28-9101-1ABE11BF1B41}" type="datetime1">
               <a:rPr lang="nl-NL" smtClean="0"/>
-              <a:t>3-9-2024</a:t>
+              <a:t>4-9-2024</a:t>
             </a:fld>
             <a:endParaRPr lang="nl-NL"/>
           </a:p>
@@ -6268,7 +6267,7 @@
             <a:fld id="{982E87CE-8545-4B28-9101-1ABE11BF1B41}" type="datetime1">
               <a:rPr lang="nl-NL" smtClean="0"/>
               <a:pPr/>
-              <a:t>3-9-2024</a:t>
+              <a:t>4-9-2024</a:t>
             </a:fld>
             <a:endParaRPr lang="nl-NL"/>
           </a:p>
@@ -6535,7 +6534,7 @@
             <a:fld id="{982E87CE-8545-4B28-9101-1ABE11BF1B41}" type="datetime1">
               <a:rPr lang="nl-NL" smtClean="0"/>
               <a:pPr/>
-              <a:t>3-9-2024</a:t>
+              <a:t>4-9-2024</a:t>
             </a:fld>
             <a:endParaRPr lang="nl-NL"/>
           </a:p>
@@ -6858,7 +6857,7 @@
           <a:p>
             <a:fld id="{982E87CE-8545-4B28-9101-1ABE11BF1B41}" type="datetime1">
               <a:rPr lang="nl-NL" smtClean="0"/>
-              <a:t>3-9-2024</a:t>
+              <a:t>4-9-2024</a:t>
             </a:fld>
             <a:endParaRPr lang="nl-NL"/>
           </a:p>
@@ -7695,153 +7694,6 @@
       </p:transition>
     </mc:Fallback>
   </mc:AlternateContent>
-</p:sld>
-</file>
-
-<file path=ppt/slides/slide11.xml><?xml version="1.0" encoding="utf-8"?>
-<p:sld xmlns:a="http://schemas.openxmlformats.org/drawingml/2006/main" xmlns:r="http://schemas.openxmlformats.org/officeDocument/2006/relationships" xmlns:p="http://schemas.openxmlformats.org/presentationml/2006/main">
-  <p:cSld>
-    <p:spTree>
-      <p:nvGrpSpPr>
-        <p:cNvPr id="1" name=""/>
-        <p:cNvGrpSpPr/>
-        <p:nvPr/>
-      </p:nvGrpSpPr>
-      <p:grpSpPr>
-        <a:xfrm>
-          <a:off x="0" y="0"/>
-          <a:ext cx="0" cy="0"/>
-          <a:chOff x="0" y="0"/>
-          <a:chExt cx="0" cy="0"/>
-        </a:xfrm>
-      </p:grpSpPr>
-      <p:sp>
-        <p:nvSpPr>
-          <p:cNvPr id="2" name="Title 1">
-            <a:extLst>
-              <a:ext uri="{FF2B5EF4-FFF2-40B4-BE49-F238E27FC236}">
-                <a16:creationId xmlns:a16="http://schemas.microsoft.com/office/drawing/2014/main" id="{422C1851-79CD-02BE-8E49-E4A93EBDA2A1}"/>
-              </a:ext>
-            </a:extLst>
-          </p:cNvPr>
-          <p:cNvSpPr>
-            <a:spLocks noGrp="1"/>
-          </p:cNvSpPr>
-          <p:nvPr>
-            <p:ph type="title"/>
-          </p:nvPr>
-        </p:nvSpPr>
-        <p:spPr/>
-        <p:txBody>
-          <a:bodyPr/>
-          <a:lstStyle/>
-          <a:p>
-            <a:r>
-              <a:rPr lang="nl-NL" dirty="0"/>
-              <a:t>Start opdracht</a:t>
-            </a:r>
-          </a:p>
-        </p:txBody>
-      </p:sp>
-      <p:sp>
-        <p:nvSpPr>
-          <p:cNvPr id="3" name="Content Placeholder 2">
-            <a:extLst>
-              <a:ext uri="{FF2B5EF4-FFF2-40B4-BE49-F238E27FC236}">
-                <a16:creationId xmlns:a16="http://schemas.microsoft.com/office/drawing/2014/main" id="{C2C33633-C289-4A16-B7C0-9BB2A62B31B8}"/>
-              </a:ext>
-            </a:extLst>
-          </p:cNvPr>
-          <p:cNvSpPr>
-            <a:spLocks noGrp="1"/>
-          </p:cNvSpPr>
-          <p:nvPr>
-            <p:ph sz="quarter" idx="15"/>
-          </p:nvPr>
-        </p:nvSpPr>
-        <p:spPr/>
-        <p:txBody>
-          <a:bodyPr>
-            <a:normAutofit fontScale="92500"/>
-          </a:bodyPr>
-          <a:lstStyle/>
-          <a:p>
-            <a:r>
-              <a:rPr lang="nl-NL" dirty="0"/>
-              <a:t>Iedereen maakt een eigen </a:t>
-            </a:r>
-            <a:r>
-              <a:rPr lang="nl-NL" dirty="0" err="1"/>
-              <a:t>repository</a:t>
-            </a:r>
-            <a:r>
-              <a:rPr lang="nl-NL" dirty="0"/>
-              <a:t> met de volgende link:</a:t>
-            </a:r>
-          </a:p>
-          <a:p>
-            <a:pPr marL="0" indent="0">
-              <a:buNone/>
-            </a:pPr>
-            <a:r>
-              <a:rPr lang="nl-NL" dirty="0">
-                <a:hlinkClick r:id="rId2"/>
-              </a:rPr>
-              <a:t>https://classroom.github.com/a/pCb0ojDe</a:t>
-            </a:r>
-            <a:endParaRPr lang="nl-NL" dirty="0"/>
-          </a:p>
-          <a:p>
-            <a:pPr marL="0" indent="0">
-              <a:buNone/>
-            </a:pPr>
-            <a:endParaRPr lang="nl-NL" dirty="0"/>
-          </a:p>
-          <a:p>
-            <a:r>
-              <a:rPr lang="nl-NL" dirty="0"/>
-              <a:t>De scrum master maakt een project aan met de volgende link:</a:t>
-            </a:r>
-          </a:p>
-          <a:p>
-            <a:pPr marL="0" indent="0">
-              <a:buNone/>
-            </a:pPr>
-            <a:r>
-              <a:rPr lang="nl-NL" dirty="0">
-                <a:hlinkClick r:id="rId3"/>
-              </a:rPr>
-              <a:t>https://classroom.github.com/a/0DuvU8IL</a:t>
-            </a:r>
-            <a:endParaRPr lang="nl-NL" dirty="0"/>
-          </a:p>
-          <a:p>
-            <a:pPr marL="0" indent="0">
-              <a:buNone/>
-            </a:pPr>
-            <a:endParaRPr lang="nl-NL" dirty="0"/>
-          </a:p>
-          <a:p>
-            <a:pPr marL="0" indent="0">
-              <a:buNone/>
-            </a:pPr>
-            <a:r>
-              <a:rPr lang="nl-NL" dirty="0"/>
-              <a:t>Ga met elkaar aan de slag om het back-log zo ver mogelijk te vullen op basis van de opdrachten op canvas en eigen inbreng.</a:t>
-            </a:r>
-          </a:p>
-        </p:txBody>
-      </p:sp>
-    </p:spTree>
-    <p:extLst>
-      <p:ext uri="{BB962C8B-B14F-4D97-AF65-F5344CB8AC3E}">
-        <p14:creationId xmlns:p14="http://schemas.microsoft.com/office/powerpoint/2010/main" val="661974113"/>
-      </p:ext>
-    </p:extLst>
-  </p:cSld>
-  <p:clrMapOvr>
-    <a:masterClrMapping/>
-  </p:clrMapOvr>
 </p:sld>
 </file>
 
@@ -9761,15 +9613,6 @@
 </file>
 
 <file path=customXml/item1.xml><?xml version="1.0" encoding="utf-8"?>
-<?mso-contentType ?>
-<FormTemplates xmlns="http://schemas.microsoft.com/sharepoint/v3/contenttype/forms">
-  <Display>DocumentLibraryForm</Display>
-  <Edit>DocumentLibraryForm</Edit>
-  <New>DocumentLibraryForm</New>
-</FormTemplates>
-</file>
-
-<file path=customXml/item2.xml><?xml version="1.0" encoding="utf-8"?>
 <p:properties xmlns:p="http://schemas.microsoft.com/office/2006/metadata/properties" xmlns:xsi="http://www.w3.org/2001/XMLSchema-instance" xmlns:pc="http://schemas.microsoft.com/office/infopath/2007/PartnerControls">
   <documentManagement>
     <lcf76f155ced4ddcb4097134ff3c332f xmlns="a579e369-b645-4024-bea3-8c8a2089718f">
@@ -9778,6 +9621,15 @@
     <TaxCatchAll xmlns="486c4ea1-8058-46d1-a3c2-0eb1c993cde8" xsi:nil="true"/>
   </documentManagement>
 </p:properties>
+</file>
+
+<file path=customXml/item2.xml><?xml version="1.0" encoding="utf-8"?>
+<?mso-contentType ?>
+<FormTemplates xmlns="http://schemas.microsoft.com/sharepoint/v3/contenttype/forms">
+  <Display>DocumentLibraryForm</Display>
+  <Edit>DocumentLibraryForm</Edit>
+  <New>DocumentLibraryForm</New>
+</FormTemplates>
 </file>
 
 <file path=customXml/item3.xml><?xml version="1.0" encoding="utf-8"?>
@@ -10018,14 +9870,6 @@
 </file>
 
 <file path=customXml/itemProps1.xml><?xml version="1.0" encoding="utf-8"?>
-<ds:datastoreItem xmlns:ds="http://schemas.openxmlformats.org/officeDocument/2006/customXml" ds:itemID="{88536903-284F-4C8C-AAF3-197D4EF271FE}">
-  <ds:schemaRefs>
-    <ds:schemaRef ds:uri="http://schemas.microsoft.com/sharepoint/v3/contenttype/forms"/>
-  </ds:schemaRefs>
-</ds:datastoreItem>
-</file>
-
-<file path=customXml/itemProps2.xml><?xml version="1.0" encoding="utf-8"?>
 <ds:datastoreItem xmlns:ds="http://schemas.openxmlformats.org/officeDocument/2006/customXml" ds:itemID="{4186034F-07F4-4CE6-B21C-2C87F147607A}">
   <ds:schemaRefs>
     <ds:schemaRef ds:uri="953d9de2-611f-43bb-b175-800a77a22eb6"/>
@@ -10041,6 +9885,14 @@
     <ds:schemaRef ds:uri="8e39aab0-005d-45b6-a80e-05e5df2908d1"/>
     <ds:schemaRef ds:uri="a579e369-b645-4024-bea3-8c8a2089718f"/>
     <ds:schemaRef ds:uri="486c4ea1-8058-46d1-a3c2-0eb1c993cde8"/>
+  </ds:schemaRefs>
+</ds:datastoreItem>
+</file>
+
+<file path=customXml/itemProps2.xml><?xml version="1.0" encoding="utf-8"?>
+<ds:datastoreItem xmlns:ds="http://schemas.openxmlformats.org/officeDocument/2006/customXml" ds:itemID="{88536903-284F-4C8C-AAF3-197D4EF271FE}">
+  <ds:schemaRefs>
+    <ds:schemaRef ds:uri="http://schemas.microsoft.com/sharepoint/v3/contenttype/forms"/>
   </ds:schemaRefs>
 </ds:datastoreItem>
 </file>
